--- a/Panchatantra-AMS.pptx
+++ b/Panchatantra-AMS.pptx
@@ -5,7 +5,7 @@
     <p:sldMasterId id="2147483648" r:id="rId1"/>
   </p:sldMasterIdLst>
   <p:notesMasterIdLst>
-    <p:notesMasterId r:id="rId11"/>
+    <p:notesMasterId r:id="rId12"/>
   </p:notesMasterIdLst>
   <p:sldIdLst>
     <p:sldId id="256" r:id="rId2"/>
@@ -15,8 +15,9 @@
     <p:sldId id="260" r:id="rId6"/>
     <p:sldId id="261" r:id="rId7"/>
     <p:sldId id="262" r:id="rId8"/>
-    <p:sldId id="263" r:id="rId9"/>
-    <p:sldId id="264" r:id="rId10"/>
+    <p:sldId id="265" r:id="rId9"/>
+    <p:sldId id="263" r:id="rId10"/>
+    <p:sldId id="264" r:id="rId11"/>
   </p:sldIdLst>
   <p:sldSz cx="12192000" cy="6858000"/>
   <p:notesSz cx="6858000" cy="9144000"/>
@@ -7133,7 +7134,7 @@
           <a:p>
             <a:fld id="{DD826B6B-95FA-4899-964F-28852DBD9F68}" type="datetimeFigureOut">
               <a:rPr lang="en-US" smtClean="0"/>
-              <a:t>4/11/2023</a:t>
+              <a:t>4/12/2023</a:t>
             </a:fld>
             <a:endParaRPr lang="en-US" dirty="0"/>
           </a:p>
@@ -7715,7 +7716,7 @@
           <a:p>
             <a:fld id="{2AB03F2E-1F7A-4766-8FB0-41820FF4E212}" type="datetimeFigureOut">
               <a:rPr lang="en-US" smtClean="0"/>
-              <a:t>4/11/2023</a:t>
+              <a:t>4/12/2023</a:t>
             </a:fld>
             <a:endParaRPr lang="en-US" dirty="0"/>
           </a:p>
@@ -7913,7 +7914,7 @@
           <a:p>
             <a:fld id="{2AB03F2E-1F7A-4766-8FB0-41820FF4E212}" type="datetimeFigureOut">
               <a:rPr lang="en-US" smtClean="0"/>
-              <a:t>4/11/2023</a:t>
+              <a:t>4/12/2023</a:t>
             </a:fld>
             <a:endParaRPr lang="en-US" dirty="0"/>
           </a:p>
@@ -8121,7 +8122,7 @@
           <a:p>
             <a:fld id="{2AB03F2E-1F7A-4766-8FB0-41820FF4E212}" type="datetimeFigureOut">
               <a:rPr lang="en-US" smtClean="0"/>
-              <a:t>4/11/2023</a:t>
+              <a:t>4/12/2023</a:t>
             </a:fld>
             <a:endParaRPr lang="en-US" dirty="0"/>
           </a:p>
@@ -8319,7 +8320,7 @@
           <a:p>
             <a:fld id="{2AB03F2E-1F7A-4766-8FB0-41820FF4E212}" type="datetimeFigureOut">
               <a:rPr lang="en-US" smtClean="0"/>
-              <a:t>4/11/2023</a:t>
+              <a:t>4/12/2023</a:t>
             </a:fld>
             <a:endParaRPr lang="en-US" dirty="0"/>
           </a:p>
@@ -8594,7 +8595,7 @@
           <a:p>
             <a:fld id="{2AB03F2E-1F7A-4766-8FB0-41820FF4E212}" type="datetimeFigureOut">
               <a:rPr lang="en-US" smtClean="0"/>
-              <a:t>4/11/2023</a:t>
+              <a:t>4/12/2023</a:t>
             </a:fld>
             <a:endParaRPr lang="en-US" dirty="0"/>
           </a:p>
@@ -8859,7 +8860,7 @@
           <a:p>
             <a:fld id="{2AB03F2E-1F7A-4766-8FB0-41820FF4E212}" type="datetimeFigureOut">
               <a:rPr lang="en-US" smtClean="0"/>
-              <a:t>4/11/2023</a:t>
+              <a:t>4/12/2023</a:t>
             </a:fld>
             <a:endParaRPr lang="en-US" dirty="0"/>
           </a:p>
@@ -9271,7 +9272,7 @@
           <a:p>
             <a:fld id="{2AB03F2E-1F7A-4766-8FB0-41820FF4E212}" type="datetimeFigureOut">
               <a:rPr lang="en-US" smtClean="0"/>
-              <a:t>4/11/2023</a:t>
+              <a:t>4/12/2023</a:t>
             </a:fld>
             <a:endParaRPr lang="en-US" dirty="0"/>
           </a:p>
@@ -9412,7 +9413,7 @@
           <a:p>
             <a:fld id="{2AB03F2E-1F7A-4766-8FB0-41820FF4E212}" type="datetimeFigureOut">
               <a:rPr lang="en-US" smtClean="0"/>
-              <a:t>4/11/2023</a:t>
+              <a:t>4/12/2023</a:t>
             </a:fld>
             <a:endParaRPr lang="en-US" dirty="0"/>
           </a:p>
@@ -9525,7 +9526,7 @@
           <a:p>
             <a:fld id="{2AB03F2E-1F7A-4766-8FB0-41820FF4E212}" type="datetimeFigureOut">
               <a:rPr lang="en-US" smtClean="0"/>
-              <a:t>4/11/2023</a:t>
+              <a:t>4/12/2023</a:t>
             </a:fld>
             <a:endParaRPr lang="en-US" dirty="0"/>
           </a:p>
@@ -9836,7 +9837,7 @@
           <a:p>
             <a:fld id="{2AB03F2E-1F7A-4766-8FB0-41820FF4E212}" type="datetimeFigureOut">
               <a:rPr lang="en-US" smtClean="0"/>
-              <a:t>4/11/2023</a:t>
+              <a:t>4/12/2023</a:t>
             </a:fld>
             <a:endParaRPr lang="en-US" dirty="0"/>
           </a:p>
@@ -10124,7 +10125,7 @@
           <a:p>
             <a:fld id="{2AB03F2E-1F7A-4766-8FB0-41820FF4E212}" type="datetimeFigureOut">
               <a:rPr lang="en-US" smtClean="0"/>
-              <a:t>4/11/2023</a:t>
+              <a:t>4/12/2023</a:t>
             </a:fld>
             <a:endParaRPr lang="en-US" dirty="0"/>
           </a:p>
@@ -10365,7 +10366,7 @@
           <a:p>
             <a:fld id="{2AB03F2E-1F7A-4766-8FB0-41820FF4E212}" type="datetimeFigureOut">
               <a:rPr lang="en-US" smtClean="0"/>
-              <a:t>4/11/2023</a:t>
+              <a:t>4/12/2023</a:t>
             </a:fld>
             <a:endParaRPr lang="en-US" dirty="0"/>
           </a:p>
@@ -12219,6 +12220,178 @@
 </p:sld>
 </file>
 
+<file path=ppt/slides/slide10.xml><?xml version="1.0" encoding="utf-8"?>
+<p:sld xmlns:a="http://schemas.openxmlformats.org/drawingml/2006/main" xmlns:r="http://schemas.openxmlformats.org/officeDocument/2006/relationships" xmlns:p="http://schemas.openxmlformats.org/presentationml/2006/main">
+  <p:cSld>
+    <p:bg>
+      <p:bgPr>
+        <a:solidFill>
+          <a:srgbClr val="000000"/>
+        </a:solidFill>
+        <a:effectLst/>
+      </p:bgPr>
+    </p:bg>
+    <p:spTree>
+      <p:nvGrpSpPr>
+        <p:cNvPr id="1" name=""/>
+        <p:cNvGrpSpPr/>
+        <p:nvPr/>
+      </p:nvGrpSpPr>
+      <p:grpSpPr>
+        <a:xfrm>
+          <a:off x="0" y="0"/>
+          <a:ext cx="0" cy="0"/>
+          <a:chOff x="0" y="0"/>
+          <a:chExt cx="0" cy="0"/>
+        </a:xfrm>
+      </p:grpSpPr>
+      <p:sp>
+        <p:nvSpPr>
+          <p:cNvPr id="12" name="Rectangle 11">
+            <a:extLst>
+              <a:ext uri="{FF2B5EF4-FFF2-40B4-BE49-F238E27FC236}">
+                <a16:creationId xmlns:a16="http://schemas.microsoft.com/office/drawing/2014/main" id="{71B2258F-86CA-4D4D-8270-BC05FCDEBFB3}"/>
+              </a:ext>
+              <a:ext uri="{C183D7F6-B498-43B3-948B-1728B52AA6E4}">
+                <adec:decorative xmlns:adec="http://schemas.microsoft.com/office/drawing/2017/decorative" val="1"/>
+              </a:ext>
+            </a:extLst>
+          </p:cNvPr>
+          <p:cNvSpPr>
+            <a:spLocks noGrp="1" noRot="1" noChangeAspect="1" noMove="1" noResize="1" noEditPoints="1" noAdjustHandles="1" noChangeArrowheads="1" noChangeShapeType="1" noTextEdit="1"/>
+          </p:cNvSpPr>
+          <p:nvPr>
+            <p:extLst>
+              <p:ext uri="{386F3935-93C4-4BCD-93E2-E3B085C9AB24}">
+                <p16:designElem xmlns:p16="http://schemas.microsoft.com/office/powerpoint/2015/main" val="1"/>
+              </p:ext>
+            </p:extLst>
+          </p:nvPr>
+        </p:nvSpPr>
+        <p:spPr>
+          <a:xfrm>
+            <a:off x="0" y="0"/>
+            <a:ext cx="12192000" cy="6857999"/>
+          </a:xfrm>
+          <a:prstGeom prst="rect">
+            <a:avLst/>
+          </a:prstGeom>
+          <a:solidFill>
+            <a:srgbClr val="000000"/>
+          </a:solidFill>
+          <a:ln>
+            <a:noFill/>
+          </a:ln>
+        </p:spPr>
+        <p:style>
+          <a:lnRef idx="2">
+            <a:schemeClr val="accent1">
+              <a:shade val="50000"/>
+            </a:schemeClr>
+          </a:lnRef>
+          <a:fillRef idx="1">
+            <a:schemeClr val="accent1"/>
+          </a:fillRef>
+          <a:effectRef idx="0">
+            <a:schemeClr val="accent1"/>
+          </a:effectRef>
+          <a:fontRef idx="minor">
+            <a:schemeClr val="lt1"/>
+          </a:fontRef>
+        </p:style>
+        <p:txBody>
+          <a:bodyPr rtlCol="0" anchor="ctr"/>
+          <a:lstStyle/>
+          <a:p>
+            <a:pPr algn="ctr"/>
+            <a:endParaRPr lang="en-US"/>
+          </a:p>
+        </p:txBody>
+      </p:sp>
+      <p:pic>
+        <p:nvPicPr>
+          <p:cNvPr id="8" name="Picture 7">
+            <a:extLst>
+              <a:ext uri="{FF2B5EF4-FFF2-40B4-BE49-F238E27FC236}">
+                <a16:creationId xmlns:a16="http://schemas.microsoft.com/office/drawing/2014/main" id="{072398BA-C14E-B76F-7EB7-A0A25C2DE097}"/>
+              </a:ext>
+            </a:extLst>
+          </p:cNvPr>
+          <p:cNvPicPr>
+            <a:picLocks noChangeAspect="1"/>
+          </p:cNvPicPr>
+          <p:nvPr/>
+        </p:nvPicPr>
+        <p:blipFill rotWithShape="1">
+          <a:blip r:embed="rId2">
+            <a:alphaModFix amt="50000"/>
+          </a:blip>
+          <a:srcRect t="5858"/>
+          <a:stretch/>
+        </p:blipFill>
+        <p:spPr>
+          <a:xfrm>
+            <a:off x="20" y="1"/>
+            <a:ext cx="12191980" cy="6857999"/>
+          </a:xfrm>
+          <a:prstGeom prst="rect">
+            <a:avLst/>
+          </a:prstGeom>
+        </p:spPr>
+      </p:pic>
+      <p:sp>
+        <p:nvSpPr>
+          <p:cNvPr id="6" name="Title 5">
+            <a:extLst>
+              <a:ext uri="{FF2B5EF4-FFF2-40B4-BE49-F238E27FC236}">
+                <a16:creationId xmlns:a16="http://schemas.microsoft.com/office/drawing/2014/main" id="{5388E924-A1DE-117A-1B30-28DC3CEDF722}"/>
+              </a:ext>
+            </a:extLst>
+          </p:cNvPr>
+          <p:cNvSpPr>
+            <a:spLocks noGrp="1"/>
+          </p:cNvSpPr>
+          <p:nvPr>
+            <p:ph type="title"/>
+          </p:nvPr>
+        </p:nvSpPr>
+        <p:spPr>
+          <a:xfrm>
+            <a:off x="1524000" y="1122362"/>
+            <a:ext cx="9144000" cy="2900518"/>
+          </a:xfrm>
+        </p:spPr>
+        <p:txBody>
+          <a:bodyPr vert="horz" lIns="91440" tIns="45720" rIns="91440" bIns="45720" rtlCol="0" anchor="b">
+            <a:normAutofit/>
+          </a:bodyPr>
+          <a:lstStyle/>
+          <a:p>
+            <a:pPr algn="ctr"/>
+            <a:r>
+              <a:rPr lang="en-US" sz="8000" dirty="0">
+                <a:solidFill>
+                  <a:srgbClr val="FFFFFF"/>
+                </a:solidFill>
+              </a:rPr>
+              <a:t>THANK YOU </a:t>
+            </a:r>
+          </a:p>
+        </p:txBody>
+      </p:sp>
+    </p:spTree>
+    <p:extLst>
+      <p:ext uri="{BB962C8B-B14F-4D97-AF65-F5344CB8AC3E}">
+        <p14:creationId xmlns:p14="http://schemas.microsoft.com/office/powerpoint/2010/main" val="3778610382"/>
+      </p:ext>
+    </p:extLst>
+  </p:cSld>
+  <p:clrMapOvr>
+    <a:overrideClrMapping bg1="dk1" tx1="lt1" bg2="dk2" tx2="lt2" accent1="accent1" accent2="accent2" accent3="accent3" accent4="accent4" accent5="accent5" accent6="accent6" hlink="hlink" folHlink="folHlink"/>
+  </p:clrMapOvr>
+</p:sld>
+</file>
+
 <file path=ppt/slides/slide2.xml><?xml version="1.0" encoding="utf-8"?>
 <p:sld xmlns:a="http://schemas.openxmlformats.org/drawingml/2006/main" xmlns:r="http://schemas.openxmlformats.org/officeDocument/2006/relationships" xmlns:p="http://schemas.openxmlformats.org/presentationml/2006/main">
   <p:cSld>
@@ -12446,10 +12619,10 @@
       </p:grpSpPr>
       <p:sp useBgFill="1">
         <p:nvSpPr>
-          <p:cNvPr id="10" name="Rectangle 9">
+          <p:cNvPr id="18" name="Rectangle 17">
             <a:extLst>
               <a:ext uri="{FF2B5EF4-FFF2-40B4-BE49-F238E27FC236}">
-                <a16:creationId xmlns:a16="http://schemas.microsoft.com/office/drawing/2014/main" id="{A6D37EE4-EA1B-46EE-A54B-5233C63C9695}"/>
+                <a16:creationId xmlns:a16="http://schemas.microsoft.com/office/drawing/2014/main" id="{04812C46-200A-4DEB-A05E-3ED6C68C2387}"/>
               </a:ext>
               <a:ext uri="{C183D7F6-B498-43B3-948B-1728B52AA6E4}">
                 <adec:decorative xmlns:adec="http://schemas.microsoft.com/office/drawing/2017/decorative" val="1"/>
@@ -12469,7 +12642,7 @@
         </p:nvSpPr>
         <p:spPr>
           <a:xfrm>
-            <a:off x="0" y="0"/>
+            <a:off x="-1" y="0"/>
             <a:ext cx="12188952" cy="6858000"/>
           </a:xfrm>
           <a:prstGeom prst="rect">
@@ -12504,47 +12677,41 @@
           </a:p>
         </p:txBody>
       </p:sp>
-      <p:sp>
-        <p:nvSpPr>
-          <p:cNvPr id="2" name="Title 1">
+      <p:pic>
+        <p:nvPicPr>
+          <p:cNvPr id="14" name="Picture 13" descr="Large skydiving group mid-air">
             <a:extLst>
               <a:ext uri="{FF2B5EF4-FFF2-40B4-BE49-F238E27FC236}">
-                <a16:creationId xmlns:a16="http://schemas.microsoft.com/office/drawing/2014/main" id="{E3B9205F-5709-E891-2FBC-D54BC81CC818}"/>
+                <a16:creationId xmlns:a16="http://schemas.microsoft.com/office/drawing/2014/main" id="{404C4C06-185B-DDD3-69C0-F42AF7873B01}"/>
               </a:ext>
             </a:extLst>
           </p:cNvPr>
-          <p:cNvSpPr>
-            <a:spLocks noGrp="1"/>
-          </p:cNvSpPr>
-          <p:nvPr>
-            <p:ph type="title"/>
-          </p:nvPr>
-        </p:nvSpPr>
+          <p:cNvPicPr>
+            <a:picLocks noChangeAspect="1"/>
+          </p:cNvPicPr>
+          <p:nvPr/>
+        </p:nvPicPr>
+        <p:blipFill rotWithShape="1">
+          <a:blip r:embed="rId3"/>
+          <a:srcRect l="3702" r="2534"/>
+          <a:stretch/>
+        </p:blipFill>
         <p:spPr>
           <a:xfrm>
-            <a:off x="572493" y="238539"/>
-            <a:ext cx="11047013" cy="1434415"/>
+            <a:off x="1" y="10"/>
+            <a:ext cx="9669642" cy="6857990"/>
           </a:xfrm>
+          <a:prstGeom prst="rect">
+            <a:avLst/>
+          </a:prstGeom>
         </p:spPr>
-        <p:txBody>
-          <a:bodyPr anchor="b">
-            <a:normAutofit/>
-          </a:bodyPr>
-          <a:lstStyle/>
-          <a:p>
-            <a:r>
-              <a:rPr lang="en-US" sz="5400" b="1" u="sng" dirty="0"/>
-              <a:t>Team Contributions</a:t>
-            </a:r>
-          </a:p>
-        </p:txBody>
-      </p:sp>
+      </p:pic>
       <p:sp>
         <p:nvSpPr>
-          <p:cNvPr id="12" name="sketch line">
+          <p:cNvPr id="20" name="Rectangle 19">
             <a:extLst>
               <a:ext uri="{FF2B5EF4-FFF2-40B4-BE49-F238E27FC236}">
-                <a16:creationId xmlns:a16="http://schemas.microsoft.com/office/drawing/2014/main" id="{927D5270-6648-4CC1-8F78-48BE299CAC25}"/>
+                <a16:creationId xmlns:a16="http://schemas.microsoft.com/office/drawing/2014/main" id="{D1EA859B-E555-4109-94F3-6700E046E008}"/>
               </a:ext>
               <a:ext uri="{C183D7F6-B498-43B3-948B-1728B52AA6E4}">
                 <adec:decorative xmlns:adec="http://schemas.microsoft.com/office/drawing/2017/decorative" val="1"/>
@@ -12563,617 +12730,41 @@
           </p:nvPr>
         </p:nvSpPr>
         <p:spPr>
-          <a:xfrm>
-            <a:off x="572493" y="1767709"/>
-            <a:ext cx="10972800" cy="18288"/>
+          <a:xfrm flipH="1">
+            <a:off x="5125019" y="0"/>
+            <a:ext cx="7066978" cy="6858000"/>
           </a:xfrm>
-          <a:custGeom>
+          <a:prstGeom prst="rect">
             <a:avLst/>
-            <a:gdLst>
-              <a:gd name="connsiteX0" fmla="*/ 0 w 10972800"/>
-              <a:gd name="connsiteY0" fmla="*/ 0 h 18288"/>
-              <a:gd name="connsiteX1" fmla="*/ 356616 w 10972800"/>
-              <a:gd name="connsiteY1" fmla="*/ 0 h 18288"/>
-              <a:gd name="connsiteX2" fmla="*/ 1042416 w 10972800"/>
-              <a:gd name="connsiteY2" fmla="*/ 0 h 18288"/>
-              <a:gd name="connsiteX3" fmla="*/ 1947672 w 10972800"/>
-              <a:gd name="connsiteY3" fmla="*/ 0 h 18288"/>
-              <a:gd name="connsiteX4" fmla="*/ 2633472 w 10972800"/>
-              <a:gd name="connsiteY4" fmla="*/ 0 h 18288"/>
-              <a:gd name="connsiteX5" fmla="*/ 2990088 w 10972800"/>
-              <a:gd name="connsiteY5" fmla="*/ 0 h 18288"/>
-              <a:gd name="connsiteX6" fmla="*/ 3456432 w 10972800"/>
-              <a:gd name="connsiteY6" fmla="*/ 0 h 18288"/>
-              <a:gd name="connsiteX7" fmla="*/ 4361688 w 10972800"/>
-              <a:gd name="connsiteY7" fmla="*/ 0 h 18288"/>
-              <a:gd name="connsiteX8" fmla="*/ 5266944 w 10972800"/>
-              <a:gd name="connsiteY8" fmla="*/ 0 h 18288"/>
-              <a:gd name="connsiteX9" fmla="*/ 6172200 w 10972800"/>
-              <a:gd name="connsiteY9" fmla="*/ 0 h 18288"/>
-              <a:gd name="connsiteX10" fmla="*/ 6528816 w 10972800"/>
-              <a:gd name="connsiteY10" fmla="*/ 0 h 18288"/>
-              <a:gd name="connsiteX11" fmla="*/ 7214616 w 10972800"/>
-              <a:gd name="connsiteY11" fmla="*/ 0 h 18288"/>
-              <a:gd name="connsiteX12" fmla="*/ 7790688 w 10972800"/>
-              <a:gd name="connsiteY12" fmla="*/ 0 h 18288"/>
-              <a:gd name="connsiteX13" fmla="*/ 8147304 w 10972800"/>
-              <a:gd name="connsiteY13" fmla="*/ 0 h 18288"/>
-              <a:gd name="connsiteX14" fmla="*/ 9052560 w 10972800"/>
-              <a:gd name="connsiteY14" fmla="*/ 0 h 18288"/>
-              <a:gd name="connsiteX15" fmla="*/ 9409176 w 10972800"/>
-              <a:gd name="connsiteY15" fmla="*/ 0 h 18288"/>
-              <a:gd name="connsiteX16" fmla="*/ 9765792 w 10972800"/>
-              <a:gd name="connsiteY16" fmla="*/ 0 h 18288"/>
-              <a:gd name="connsiteX17" fmla="*/ 10341864 w 10972800"/>
-              <a:gd name="connsiteY17" fmla="*/ 0 h 18288"/>
-              <a:gd name="connsiteX18" fmla="*/ 10972800 w 10972800"/>
-              <a:gd name="connsiteY18" fmla="*/ 0 h 18288"/>
-              <a:gd name="connsiteX19" fmla="*/ 10972800 w 10972800"/>
-              <a:gd name="connsiteY19" fmla="*/ 18288 h 18288"/>
-              <a:gd name="connsiteX20" fmla="*/ 10177272 w 10972800"/>
-              <a:gd name="connsiteY20" fmla="*/ 18288 h 18288"/>
-              <a:gd name="connsiteX21" fmla="*/ 9820656 w 10972800"/>
-              <a:gd name="connsiteY21" fmla="*/ 18288 h 18288"/>
-              <a:gd name="connsiteX22" fmla="*/ 9464040 w 10972800"/>
-              <a:gd name="connsiteY22" fmla="*/ 18288 h 18288"/>
-              <a:gd name="connsiteX23" fmla="*/ 8778240 w 10972800"/>
-              <a:gd name="connsiteY23" fmla="*/ 18288 h 18288"/>
-              <a:gd name="connsiteX24" fmla="*/ 8421624 w 10972800"/>
-              <a:gd name="connsiteY24" fmla="*/ 18288 h 18288"/>
-              <a:gd name="connsiteX25" fmla="*/ 7735824 w 10972800"/>
-              <a:gd name="connsiteY25" fmla="*/ 18288 h 18288"/>
-              <a:gd name="connsiteX26" fmla="*/ 6940296 w 10972800"/>
-              <a:gd name="connsiteY26" fmla="*/ 18288 h 18288"/>
-              <a:gd name="connsiteX27" fmla="*/ 6254496 w 10972800"/>
-              <a:gd name="connsiteY27" fmla="*/ 18288 h 18288"/>
-              <a:gd name="connsiteX28" fmla="*/ 5458968 w 10972800"/>
-              <a:gd name="connsiteY28" fmla="*/ 18288 h 18288"/>
-              <a:gd name="connsiteX29" fmla="*/ 4663440 w 10972800"/>
-              <a:gd name="connsiteY29" fmla="*/ 18288 h 18288"/>
-              <a:gd name="connsiteX30" fmla="*/ 4306824 w 10972800"/>
-              <a:gd name="connsiteY30" fmla="*/ 18288 h 18288"/>
-              <a:gd name="connsiteX31" fmla="*/ 3840480 w 10972800"/>
-              <a:gd name="connsiteY31" fmla="*/ 18288 h 18288"/>
-              <a:gd name="connsiteX32" fmla="*/ 3264408 w 10972800"/>
-              <a:gd name="connsiteY32" fmla="*/ 18288 h 18288"/>
-              <a:gd name="connsiteX33" fmla="*/ 2578608 w 10972800"/>
-              <a:gd name="connsiteY33" fmla="*/ 18288 h 18288"/>
-              <a:gd name="connsiteX34" fmla="*/ 1673352 w 10972800"/>
-              <a:gd name="connsiteY34" fmla="*/ 18288 h 18288"/>
-              <a:gd name="connsiteX35" fmla="*/ 877824 w 10972800"/>
-              <a:gd name="connsiteY35" fmla="*/ 18288 h 18288"/>
-              <a:gd name="connsiteX36" fmla="*/ 0 w 10972800"/>
-              <a:gd name="connsiteY36" fmla="*/ 18288 h 18288"/>
-              <a:gd name="connsiteX37" fmla="*/ 0 w 10972800"/>
-              <a:gd name="connsiteY37" fmla="*/ 0 h 18288"/>
-            </a:gdLst>
-            <a:ahLst/>
-            <a:cxnLst>
-              <a:cxn ang="0">
-                <a:pos x="connsiteX0" y="connsiteY0"/>
-              </a:cxn>
-              <a:cxn ang="0">
-                <a:pos x="connsiteX1" y="connsiteY1"/>
-              </a:cxn>
-              <a:cxn ang="0">
-                <a:pos x="connsiteX2" y="connsiteY2"/>
-              </a:cxn>
-              <a:cxn ang="0">
-                <a:pos x="connsiteX3" y="connsiteY3"/>
-              </a:cxn>
-              <a:cxn ang="0">
-                <a:pos x="connsiteX4" y="connsiteY4"/>
-              </a:cxn>
-              <a:cxn ang="0">
-                <a:pos x="connsiteX5" y="connsiteY5"/>
-              </a:cxn>
-              <a:cxn ang="0">
-                <a:pos x="connsiteX6" y="connsiteY6"/>
-              </a:cxn>
-              <a:cxn ang="0">
-                <a:pos x="connsiteX7" y="connsiteY7"/>
-              </a:cxn>
-              <a:cxn ang="0">
-                <a:pos x="connsiteX8" y="connsiteY8"/>
-              </a:cxn>
-              <a:cxn ang="0">
-                <a:pos x="connsiteX9" y="connsiteY9"/>
-              </a:cxn>
-              <a:cxn ang="0">
-                <a:pos x="connsiteX10" y="connsiteY10"/>
-              </a:cxn>
-              <a:cxn ang="0">
-                <a:pos x="connsiteX11" y="connsiteY11"/>
-              </a:cxn>
-              <a:cxn ang="0">
-                <a:pos x="connsiteX12" y="connsiteY12"/>
-              </a:cxn>
-              <a:cxn ang="0">
-                <a:pos x="connsiteX13" y="connsiteY13"/>
-              </a:cxn>
-              <a:cxn ang="0">
-                <a:pos x="connsiteX14" y="connsiteY14"/>
-              </a:cxn>
-              <a:cxn ang="0">
-                <a:pos x="connsiteX15" y="connsiteY15"/>
-              </a:cxn>
-              <a:cxn ang="0">
-                <a:pos x="connsiteX16" y="connsiteY16"/>
-              </a:cxn>
-              <a:cxn ang="0">
-                <a:pos x="connsiteX17" y="connsiteY17"/>
-              </a:cxn>
-              <a:cxn ang="0">
-                <a:pos x="connsiteX18" y="connsiteY18"/>
-              </a:cxn>
-              <a:cxn ang="0">
-                <a:pos x="connsiteX19" y="connsiteY19"/>
-              </a:cxn>
-              <a:cxn ang="0">
-                <a:pos x="connsiteX20" y="connsiteY20"/>
-              </a:cxn>
-              <a:cxn ang="0">
-                <a:pos x="connsiteX21" y="connsiteY21"/>
-              </a:cxn>
-              <a:cxn ang="0">
-                <a:pos x="connsiteX22" y="connsiteY22"/>
-              </a:cxn>
-              <a:cxn ang="0">
-                <a:pos x="connsiteX23" y="connsiteY23"/>
-              </a:cxn>
-              <a:cxn ang="0">
-                <a:pos x="connsiteX24" y="connsiteY24"/>
-              </a:cxn>
-              <a:cxn ang="0">
-                <a:pos x="connsiteX25" y="connsiteY25"/>
-              </a:cxn>
-              <a:cxn ang="0">
-                <a:pos x="connsiteX26" y="connsiteY26"/>
-              </a:cxn>
-              <a:cxn ang="0">
-                <a:pos x="connsiteX27" y="connsiteY27"/>
-              </a:cxn>
-              <a:cxn ang="0">
-                <a:pos x="connsiteX28" y="connsiteY28"/>
-              </a:cxn>
-              <a:cxn ang="0">
-                <a:pos x="connsiteX29" y="connsiteY29"/>
-              </a:cxn>
-              <a:cxn ang="0">
-                <a:pos x="connsiteX30" y="connsiteY30"/>
-              </a:cxn>
-              <a:cxn ang="0">
-                <a:pos x="connsiteX31" y="connsiteY31"/>
-              </a:cxn>
-              <a:cxn ang="0">
-                <a:pos x="connsiteX32" y="connsiteY32"/>
-              </a:cxn>
-              <a:cxn ang="0">
-                <a:pos x="connsiteX33" y="connsiteY33"/>
-              </a:cxn>
-              <a:cxn ang="0">
-                <a:pos x="connsiteX34" y="connsiteY34"/>
-              </a:cxn>
-              <a:cxn ang="0">
-                <a:pos x="connsiteX35" y="connsiteY35"/>
-              </a:cxn>
-              <a:cxn ang="0">
-                <a:pos x="connsiteX36" y="connsiteY36"/>
-              </a:cxn>
-              <a:cxn ang="0">
-                <a:pos x="connsiteX37" y="connsiteY37"/>
-              </a:cxn>
-            </a:cxnLst>
-            <a:rect l="l" t="t" r="r" b="b"/>
-            <a:pathLst>
-              <a:path w="10972800" h="18288" fill="none" extrusionOk="0">
-                <a:moveTo>
-                  <a:pt x="0" y="0"/>
-                </a:moveTo>
-                <a:cubicBezTo>
-                  <a:pt x="165916" y="-1866"/>
-                  <a:pt x="188720" y="13756"/>
-                  <a:pt x="356616" y="0"/>
-                </a:cubicBezTo>
-                <a:cubicBezTo>
-                  <a:pt x="524512" y="-13756"/>
-                  <a:pt x="734781" y="8922"/>
-                  <a:pt x="1042416" y="0"/>
-                </a:cubicBezTo>
-                <a:cubicBezTo>
-                  <a:pt x="1350051" y="-8922"/>
-                  <a:pt x="1595982" y="-26315"/>
-                  <a:pt x="1947672" y="0"/>
-                </a:cubicBezTo>
-                <a:cubicBezTo>
-                  <a:pt x="2299362" y="26315"/>
-                  <a:pt x="2292691" y="-19526"/>
-                  <a:pt x="2633472" y="0"/>
-                </a:cubicBezTo>
-                <a:cubicBezTo>
-                  <a:pt x="2974253" y="19526"/>
-                  <a:pt x="2857309" y="10773"/>
-                  <a:pt x="2990088" y="0"/>
-                </a:cubicBezTo>
-                <a:cubicBezTo>
-                  <a:pt x="3122867" y="-10773"/>
-                  <a:pt x="3359343" y="7194"/>
-                  <a:pt x="3456432" y="0"/>
-                </a:cubicBezTo>
-                <a:cubicBezTo>
-                  <a:pt x="3553521" y="-7194"/>
-                  <a:pt x="4136258" y="5108"/>
-                  <a:pt x="4361688" y="0"/>
-                </a:cubicBezTo>
-                <a:cubicBezTo>
-                  <a:pt x="4587118" y="-5108"/>
-                  <a:pt x="4992424" y="-42958"/>
-                  <a:pt x="5266944" y="0"/>
-                </a:cubicBezTo>
-                <a:cubicBezTo>
-                  <a:pt x="5541464" y="42958"/>
-                  <a:pt x="5882966" y="-3430"/>
-                  <a:pt x="6172200" y="0"/>
-                </a:cubicBezTo>
-                <a:cubicBezTo>
-                  <a:pt x="6461434" y="3430"/>
-                  <a:pt x="6432127" y="6688"/>
-                  <a:pt x="6528816" y="0"/>
-                </a:cubicBezTo>
-                <a:cubicBezTo>
-                  <a:pt x="6625505" y="-6688"/>
-                  <a:pt x="6916805" y="-436"/>
-                  <a:pt x="7214616" y="0"/>
-                </a:cubicBezTo>
-                <a:cubicBezTo>
-                  <a:pt x="7512427" y="436"/>
-                  <a:pt x="7626159" y="-6909"/>
-                  <a:pt x="7790688" y="0"/>
-                </a:cubicBezTo>
-                <a:cubicBezTo>
-                  <a:pt x="7955217" y="6909"/>
-                  <a:pt x="8048891" y="15307"/>
-                  <a:pt x="8147304" y="0"/>
-                </a:cubicBezTo>
-                <a:cubicBezTo>
-                  <a:pt x="8245717" y="-15307"/>
-                  <a:pt x="8645618" y="-11734"/>
-                  <a:pt x="9052560" y="0"/>
-                </a:cubicBezTo>
-                <a:cubicBezTo>
-                  <a:pt x="9459502" y="11734"/>
-                  <a:pt x="9320584" y="8388"/>
-                  <a:pt x="9409176" y="0"/>
-                </a:cubicBezTo>
-                <a:cubicBezTo>
-                  <a:pt x="9497768" y="-8388"/>
-                  <a:pt x="9644192" y="8379"/>
-                  <a:pt x="9765792" y="0"/>
-                </a:cubicBezTo>
-                <a:cubicBezTo>
-                  <a:pt x="9887392" y="-8379"/>
-                  <a:pt x="10105220" y="-12663"/>
-                  <a:pt x="10341864" y="0"/>
-                </a:cubicBezTo>
-                <a:cubicBezTo>
-                  <a:pt x="10578508" y="12663"/>
-                  <a:pt x="10773103" y="-5786"/>
-                  <a:pt x="10972800" y="0"/>
-                </a:cubicBezTo>
-                <a:cubicBezTo>
-                  <a:pt x="10972146" y="8818"/>
-                  <a:pt x="10972240" y="13823"/>
-                  <a:pt x="10972800" y="18288"/>
-                </a:cubicBezTo>
-                <a:cubicBezTo>
-                  <a:pt x="10588778" y="31598"/>
-                  <a:pt x="10543381" y="-12698"/>
-                  <a:pt x="10177272" y="18288"/>
-                </a:cubicBezTo>
-                <a:cubicBezTo>
-                  <a:pt x="9811163" y="49274"/>
-                  <a:pt x="9996817" y="25662"/>
-                  <a:pt x="9820656" y="18288"/>
-                </a:cubicBezTo>
-                <a:cubicBezTo>
-                  <a:pt x="9644495" y="10914"/>
-                  <a:pt x="9607007" y="31631"/>
-                  <a:pt x="9464040" y="18288"/>
-                </a:cubicBezTo>
-                <a:cubicBezTo>
-                  <a:pt x="9321073" y="4945"/>
-                  <a:pt x="9114189" y="28940"/>
-                  <a:pt x="8778240" y="18288"/>
-                </a:cubicBezTo>
-                <a:cubicBezTo>
-                  <a:pt x="8442291" y="7636"/>
-                  <a:pt x="8594763" y="987"/>
-                  <a:pt x="8421624" y="18288"/>
-                </a:cubicBezTo>
-                <a:cubicBezTo>
-                  <a:pt x="8248485" y="35589"/>
-                  <a:pt x="7929515" y="37573"/>
-                  <a:pt x="7735824" y="18288"/>
-                </a:cubicBezTo>
-                <a:cubicBezTo>
-                  <a:pt x="7542133" y="-997"/>
-                  <a:pt x="7252504" y="33858"/>
-                  <a:pt x="6940296" y="18288"/>
-                </a:cubicBezTo>
-                <a:cubicBezTo>
-                  <a:pt x="6628088" y="2718"/>
-                  <a:pt x="6528503" y="48389"/>
-                  <a:pt x="6254496" y="18288"/>
-                </a:cubicBezTo>
-                <a:cubicBezTo>
-                  <a:pt x="5980489" y="-11813"/>
-                  <a:pt x="5695784" y="-3740"/>
-                  <a:pt x="5458968" y="18288"/>
-                </a:cubicBezTo>
-                <a:cubicBezTo>
-                  <a:pt x="5222152" y="40316"/>
-                  <a:pt x="5010751" y="19095"/>
-                  <a:pt x="4663440" y="18288"/>
-                </a:cubicBezTo>
-                <a:cubicBezTo>
-                  <a:pt x="4316129" y="17481"/>
-                  <a:pt x="4425552" y="1606"/>
-                  <a:pt x="4306824" y="18288"/>
-                </a:cubicBezTo>
-                <a:cubicBezTo>
-                  <a:pt x="4188096" y="34970"/>
-                  <a:pt x="3941535" y="7481"/>
-                  <a:pt x="3840480" y="18288"/>
-                </a:cubicBezTo>
-                <a:cubicBezTo>
-                  <a:pt x="3739425" y="29095"/>
-                  <a:pt x="3402388" y="17641"/>
-                  <a:pt x="3264408" y="18288"/>
-                </a:cubicBezTo>
-                <a:cubicBezTo>
-                  <a:pt x="3126428" y="18935"/>
-                  <a:pt x="2776779" y="9983"/>
-                  <a:pt x="2578608" y="18288"/>
-                </a:cubicBezTo>
-                <a:cubicBezTo>
-                  <a:pt x="2380437" y="26593"/>
-                  <a:pt x="1909468" y="25818"/>
-                  <a:pt x="1673352" y="18288"/>
-                </a:cubicBezTo>
-                <a:cubicBezTo>
-                  <a:pt x="1437236" y="10758"/>
-                  <a:pt x="1131180" y="49884"/>
-                  <a:pt x="877824" y="18288"/>
-                </a:cubicBezTo>
-                <a:cubicBezTo>
-                  <a:pt x="624468" y="-13308"/>
-                  <a:pt x="206753" y="2195"/>
-                  <a:pt x="0" y="18288"/>
-                </a:cubicBezTo>
-                <a:cubicBezTo>
-                  <a:pt x="313" y="10654"/>
-                  <a:pt x="-263" y="4056"/>
-                  <a:pt x="0" y="0"/>
-                </a:cubicBezTo>
-                <a:close/>
-              </a:path>
-              <a:path w="10972800" h="18288" stroke="0" extrusionOk="0">
-                <a:moveTo>
-                  <a:pt x="0" y="0"/>
-                </a:moveTo>
-                <a:cubicBezTo>
-                  <a:pt x="164017" y="-17675"/>
-                  <a:pt x="309425" y="9913"/>
-                  <a:pt x="466344" y="0"/>
-                </a:cubicBezTo>
-                <a:cubicBezTo>
-                  <a:pt x="623263" y="-9913"/>
-                  <a:pt x="659300" y="-14524"/>
-                  <a:pt x="822960" y="0"/>
-                </a:cubicBezTo>
-                <a:cubicBezTo>
-                  <a:pt x="986620" y="14524"/>
-                  <a:pt x="1105222" y="-16481"/>
-                  <a:pt x="1289304" y="0"/>
-                </a:cubicBezTo>
-                <a:cubicBezTo>
-                  <a:pt x="1473386" y="16481"/>
-                  <a:pt x="1693223" y="26161"/>
-                  <a:pt x="1975104" y="0"/>
-                </a:cubicBezTo>
-                <a:cubicBezTo>
-                  <a:pt x="2256985" y="-26161"/>
-                  <a:pt x="2435781" y="23061"/>
-                  <a:pt x="2770632" y="0"/>
-                </a:cubicBezTo>
-                <a:cubicBezTo>
-                  <a:pt x="3105483" y="-23061"/>
-                  <a:pt x="3247479" y="-44011"/>
-                  <a:pt x="3675888" y="0"/>
-                </a:cubicBezTo>
-                <a:cubicBezTo>
-                  <a:pt x="4104297" y="44011"/>
-                  <a:pt x="4280918" y="4017"/>
-                  <a:pt x="4581144" y="0"/>
-                </a:cubicBezTo>
-                <a:cubicBezTo>
-                  <a:pt x="4881370" y="-4017"/>
-                  <a:pt x="5021699" y="-11889"/>
-                  <a:pt x="5157216" y="0"/>
-                </a:cubicBezTo>
-                <a:cubicBezTo>
-                  <a:pt x="5292733" y="11889"/>
-                  <a:pt x="5603398" y="-17698"/>
-                  <a:pt x="5952744" y="0"/>
-                </a:cubicBezTo>
-                <a:cubicBezTo>
-                  <a:pt x="6302090" y="17698"/>
-                  <a:pt x="6353093" y="-11909"/>
-                  <a:pt x="6638544" y="0"/>
-                </a:cubicBezTo>
-                <a:cubicBezTo>
-                  <a:pt x="6923995" y="11909"/>
-                  <a:pt x="7053404" y="21630"/>
-                  <a:pt x="7214616" y="0"/>
-                </a:cubicBezTo>
-                <a:cubicBezTo>
-                  <a:pt x="7375828" y="-21630"/>
-                  <a:pt x="7837963" y="3886"/>
-                  <a:pt x="8010144" y="0"/>
-                </a:cubicBezTo>
-                <a:cubicBezTo>
-                  <a:pt x="8182325" y="-3886"/>
-                  <a:pt x="8224183" y="16009"/>
-                  <a:pt x="8366760" y="0"/>
-                </a:cubicBezTo>
-                <a:cubicBezTo>
-                  <a:pt x="8509337" y="-16009"/>
-                  <a:pt x="8687920" y="-5720"/>
-                  <a:pt x="8942832" y="0"/>
-                </a:cubicBezTo>
-                <a:cubicBezTo>
-                  <a:pt x="9197744" y="5720"/>
-                  <a:pt x="9368437" y="20479"/>
-                  <a:pt x="9628632" y="0"/>
-                </a:cubicBezTo>
-                <a:cubicBezTo>
-                  <a:pt x="9888827" y="-20479"/>
-                  <a:pt x="10560858" y="-20746"/>
-                  <a:pt x="10972800" y="0"/>
-                </a:cubicBezTo>
-                <a:cubicBezTo>
-                  <a:pt x="10972186" y="5722"/>
-                  <a:pt x="10972980" y="12495"/>
-                  <a:pt x="10972800" y="18288"/>
-                </a:cubicBezTo>
-                <a:cubicBezTo>
-                  <a:pt x="10786146" y="12536"/>
-                  <a:pt x="10623717" y="14033"/>
-                  <a:pt x="10506456" y="18288"/>
-                </a:cubicBezTo>
-                <a:cubicBezTo>
-                  <a:pt x="10389195" y="22543"/>
-                  <a:pt x="10296178" y="20107"/>
-                  <a:pt x="10149840" y="18288"/>
-                </a:cubicBezTo>
-                <a:cubicBezTo>
-                  <a:pt x="10003502" y="16469"/>
-                  <a:pt x="9767530" y="28891"/>
-                  <a:pt x="9464040" y="18288"/>
-                </a:cubicBezTo>
-                <a:cubicBezTo>
-                  <a:pt x="9160550" y="7685"/>
-                  <a:pt x="9229050" y="2659"/>
-                  <a:pt x="8997696" y="18288"/>
-                </a:cubicBezTo>
-                <a:cubicBezTo>
-                  <a:pt x="8766342" y="33917"/>
-                  <a:pt x="8340136" y="34864"/>
-                  <a:pt x="8092440" y="18288"/>
-                </a:cubicBezTo>
-                <a:cubicBezTo>
-                  <a:pt x="7844744" y="1712"/>
-                  <a:pt x="7863720" y="27405"/>
-                  <a:pt x="7735824" y="18288"/>
-                </a:cubicBezTo>
-                <a:cubicBezTo>
-                  <a:pt x="7607928" y="9171"/>
-                  <a:pt x="7323619" y="461"/>
-                  <a:pt x="7050024" y="18288"/>
-                </a:cubicBezTo>
-                <a:cubicBezTo>
-                  <a:pt x="6776429" y="36115"/>
-                  <a:pt x="6787899" y="28206"/>
-                  <a:pt x="6693408" y="18288"/>
-                </a:cubicBezTo>
-                <a:cubicBezTo>
-                  <a:pt x="6598917" y="8370"/>
-                  <a:pt x="6395231" y="19114"/>
-                  <a:pt x="6227064" y="18288"/>
-                </a:cubicBezTo>
-                <a:cubicBezTo>
-                  <a:pt x="6058897" y="17462"/>
-                  <a:pt x="5618582" y="1091"/>
-                  <a:pt x="5431536" y="18288"/>
-                </a:cubicBezTo>
-                <a:cubicBezTo>
-                  <a:pt x="5244490" y="35485"/>
-                  <a:pt x="4729797" y="-9650"/>
-                  <a:pt x="4526280" y="18288"/>
-                </a:cubicBezTo>
-                <a:cubicBezTo>
-                  <a:pt x="4322763" y="46226"/>
-                  <a:pt x="4216797" y="756"/>
-                  <a:pt x="4059936" y="18288"/>
-                </a:cubicBezTo>
-                <a:cubicBezTo>
-                  <a:pt x="3903075" y="35820"/>
-                  <a:pt x="3537912" y="42098"/>
-                  <a:pt x="3374136" y="18288"/>
-                </a:cubicBezTo>
-                <a:cubicBezTo>
-                  <a:pt x="3210360" y="-5522"/>
-                  <a:pt x="3126842" y="39135"/>
-                  <a:pt x="2907792" y="18288"/>
-                </a:cubicBezTo>
-                <a:cubicBezTo>
-                  <a:pt x="2688742" y="-2559"/>
-                  <a:pt x="2490436" y="34100"/>
-                  <a:pt x="2112264" y="18288"/>
-                </a:cubicBezTo>
-                <a:cubicBezTo>
-                  <a:pt x="1734092" y="2476"/>
-                  <a:pt x="1744622" y="-7274"/>
-                  <a:pt x="1536192" y="18288"/>
-                </a:cubicBezTo>
-                <a:cubicBezTo>
-                  <a:pt x="1327762" y="43850"/>
-                  <a:pt x="1189025" y="6435"/>
-                  <a:pt x="1069848" y="18288"/>
-                </a:cubicBezTo>
-                <a:cubicBezTo>
-                  <a:pt x="950671" y="30141"/>
-                  <a:pt x="858345" y="33684"/>
-                  <a:pt x="713232" y="18288"/>
-                </a:cubicBezTo>
-                <a:cubicBezTo>
-                  <a:pt x="568119" y="2892"/>
-                  <a:pt x="250292" y="5410"/>
-                  <a:pt x="0" y="18288"/>
-                </a:cubicBezTo>
-                <a:cubicBezTo>
-                  <a:pt x="465" y="13062"/>
-                  <a:pt x="-894" y="9029"/>
-                  <a:pt x="0" y="0"/>
-                </a:cubicBezTo>
-                <a:close/>
-              </a:path>
-            </a:pathLst>
-          </a:custGeom>
-          <a:solidFill>
-            <a:schemeClr val="accent2">
-              <a:alpha val="75000"/>
-            </a:schemeClr>
-          </a:solidFill>
-          <a:ln w="44450" cap="rnd">
-            <a:solidFill>
-              <a:schemeClr val="accent2">
-                <a:alpha val="75000"/>
-              </a:schemeClr>
-            </a:solidFill>
-            <a:round/>
-            <a:extLst>
-              <a:ext uri="{C807C97D-BFC1-408E-A445-0C87EB9F89A2}">
-                <ask:lineSketchStyleProps xmlns:ask="http://schemas.microsoft.com/office/drawing/2018/sketchyshapes" sd="2727557108">
-                  <a:prstGeom prst="rect">
-                    <a:avLst/>
-                  </a:prstGeom>
-                  <ask:type>
-                    <ask:lineSketchFreehand/>
-                  </ask:type>
-                </ask:lineSketchStyleProps>
-              </a:ext>
-            </a:extLst>
+          </a:prstGeom>
+          <a:gradFill>
+            <a:gsLst>
+              <a:gs pos="48000">
+                <a:schemeClr val="bg1"/>
+              </a:gs>
+              <a:gs pos="35000">
+                <a:schemeClr val="bg1">
+                  <a:alpha val="77000"/>
+                </a:schemeClr>
+              </a:gs>
+              <a:gs pos="19000">
+                <a:schemeClr val="bg1">
+                  <a:alpha val="38000"/>
+                </a:schemeClr>
+              </a:gs>
+              <a:gs pos="0">
+                <a:schemeClr val="bg1">
+                  <a:alpha val="0"/>
+                </a:schemeClr>
+              </a:gs>
+              <a:gs pos="100000">
+                <a:schemeClr val="bg1"/>
+              </a:gs>
+            </a:gsLst>
+            <a:lin ang="10800000" scaled="0"/>
+          </a:gradFill>
+          <a:ln>
+            <a:noFill/>
           </a:ln>
         </p:spPr>
         <p:style>
@@ -13197,690 +12788,45 @@
           <a:lstStyle/>
           <a:p>
             <a:pPr algn="ctr"/>
-            <a:endParaRPr lang="en-US"/>
+            <a:endParaRPr lang="en-US" dirty="0"/>
           </a:p>
         </p:txBody>
       </p:sp>
-      <p:pic>
-        <p:nvPicPr>
-          <p:cNvPr id="5" name="Picture 4" descr="A picture containing chart&#10;&#10;Description automatically generated">
+      <p:sp>
+        <p:nvSpPr>
+          <p:cNvPr id="2" name="Title 1">
             <a:extLst>
               <a:ext uri="{FF2B5EF4-FFF2-40B4-BE49-F238E27FC236}">
-                <a16:creationId xmlns:a16="http://schemas.microsoft.com/office/drawing/2014/main" id="{B1F91B96-97ED-FAA7-F081-006989B04509}"/>
+                <a16:creationId xmlns:a16="http://schemas.microsoft.com/office/drawing/2014/main" id="{E3B9205F-5709-E891-2FBC-D54BC81CC818}"/>
               </a:ext>
             </a:extLst>
           </p:cNvPr>
-          <p:cNvPicPr>
-            <a:picLocks noChangeAspect="1"/>
-          </p:cNvPicPr>
-          <p:nvPr/>
-        </p:nvPicPr>
-        <p:blipFill rotWithShape="1">
-          <a:blip r:embed="rId3">
-            <a:extLst>
-              <a:ext uri="{28A0092B-C50C-407E-A947-70E740481C1C}">
-                <a14:useLocalDpi xmlns:a14="http://schemas.microsoft.com/office/drawing/2010/main" val="0"/>
-              </a:ext>
-            </a:extLst>
-          </a:blip>
-          <a:srcRect l="66" r="12510" b="2"/>
-          <a:stretch/>
-        </p:blipFill>
+          <p:cNvSpPr>
+            <a:spLocks noGrp="1"/>
+          </p:cNvSpPr>
+          <p:nvPr>
+            <p:ph type="title"/>
+          </p:nvPr>
+        </p:nvSpPr>
         <p:spPr>
           <a:xfrm>
-            <a:off x="572492" y="2002056"/>
-            <a:ext cx="3943849" cy="4184060"/>
+            <a:off x="7531610" y="365125"/>
+            <a:ext cx="3822189" cy="1899912"/>
           </a:xfrm>
-          <a:custGeom>
-            <a:avLst/>
-            <a:gdLst/>
-            <a:ahLst/>
-            <a:cxnLst/>
-            <a:rect l="l" t="t" r="r" b="b"/>
-            <a:pathLst>
-              <a:path w="3807743" h="6307845">
-                <a:moveTo>
-                  <a:pt x="723201" y="386"/>
-                </a:moveTo>
-                <a:cubicBezTo>
-                  <a:pt x="853884" y="-4204"/>
-                  <a:pt x="1013493" y="33912"/>
-                  <a:pt x="1176100" y="22622"/>
-                </a:cubicBezTo>
-                <a:cubicBezTo>
-                  <a:pt x="1230302" y="18859"/>
-                  <a:pt x="1281736" y="20622"/>
-                  <a:pt x="1331852" y="24473"/>
-                </a:cubicBezTo>
-                <a:lnTo>
-                  <a:pt x="1439547" y="34944"/>
-                </a:lnTo>
-                <a:lnTo>
-                  <a:pt x="1484197" y="36226"/>
-                </a:lnTo>
-                <a:cubicBezTo>
-                  <a:pt x="1535166" y="35421"/>
-                  <a:pt x="1586369" y="31625"/>
-                  <a:pt x="1636625" y="22622"/>
-                </a:cubicBezTo>
-                <a:cubicBezTo>
-                  <a:pt x="1686882" y="13619"/>
-                  <a:pt x="1729837" y="10653"/>
-                  <a:pt x="1768740" y="10885"/>
-                </a:cubicBezTo>
-                <a:lnTo>
-                  <a:pt x="1829538" y="15086"/>
-                </a:lnTo>
-                <a:lnTo>
-                  <a:pt x="1869968" y="7996"/>
-                </a:lnTo>
-                <a:cubicBezTo>
-                  <a:pt x="1953577" y="-31"/>
-                  <a:pt x="2036989" y="9808"/>
-                  <a:pt x="2112925" y="20118"/>
-                </a:cubicBezTo>
-                <a:lnTo>
-                  <a:pt x="2119331" y="20977"/>
-                </a:lnTo>
-                <a:lnTo>
-                  <a:pt x="2221855" y="13374"/>
-                </a:lnTo>
-                <a:cubicBezTo>
-                  <a:pt x="2261207" y="12845"/>
-                  <a:pt x="2298379" y="14359"/>
-                  <a:pt x="2333484" y="16393"/>
-                </a:cubicBezTo>
-                <a:lnTo>
-                  <a:pt x="2372613" y="18812"/>
-                </a:lnTo>
-                <a:lnTo>
-                  <a:pt x="2404945" y="9387"/>
-                </a:lnTo>
-                <a:cubicBezTo>
-                  <a:pt x="2452532" y="1754"/>
-                  <a:pt x="2506192" y="9333"/>
-                  <a:pt x="2561622" y="17814"/>
-                </a:cubicBezTo>
-                <a:lnTo>
-                  <a:pt x="2583950" y="20591"/>
-                </a:lnTo>
-                <a:lnTo>
-                  <a:pt x="2643527" y="20319"/>
-                </a:lnTo>
-                <a:cubicBezTo>
-                  <a:pt x="2669677" y="20426"/>
-                  <a:pt x="2697963" y="20717"/>
-                  <a:pt x="2727392" y="21103"/>
-                </a:cubicBezTo>
-                <a:lnTo>
-                  <a:pt x="2786908" y="21989"/>
-                </a:lnTo>
-                <a:lnTo>
-                  <a:pt x="2846459" y="13267"/>
-                </a:lnTo>
-                <a:cubicBezTo>
-                  <a:pt x="2896401" y="10176"/>
-                  <a:pt x="2960607" y="12733"/>
-                  <a:pt x="3036361" y="17072"/>
-                </a:cubicBezTo>
-                <a:lnTo>
-                  <a:pt x="3129100" y="22671"/>
-                </a:lnTo>
-                <a:lnTo>
-                  <a:pt x="3130653" y="22622"/>
-                </a:lnTo>
-                <a:cubicBezTo>
-                  <a:pt x="3178874" y="19804"/>
-                  <a:pt x="3260845" y="26231"/>
-                  <a:pt x="3352422" y="32691"/>
-                </a:cubicBezTo>
-                <a:lnTo>
-                  <a:pt x="3362608" y="33356"/>
-                </a:lnTo>
-                <a:lnTo>
-                  <a:pt x="3446036" y="35579"/>
-                </a:lnTo>
-                <a:cubicBezTo>
-                  <a:pt x="3550323" y="36566"/>
-                  <a:pt x="3662083" y="33535"/>
-                  <a:pt x="3778601" y="22622"/>
-                </a:cubicBezTo>
-                <a:cubicBezTo>
-                  <a:pt x="3793981" y="243672"/>
-                  <a:pt x="3764152" y="318695"/>
-                  <a:pt x="3778601" y="467157"/>
-                </a:cubicBezTo>
-                <a:cubicBezTo>
-                  <a:pt x="3790077" y="557563"/>
-                  <a:pt x="3783697" y="684218"/>
-                  <a:pt x="3777639" y="811856"/>
-                </a:cubicBezTo>
-                <a:lnTo>
-                  <a:pt x="3773760" y="922625"/>
-                </a:lnTo>
-                <a:lnTo>
-                  <a:pt x="3778601" y="974384"/>
-                </a:lnTo>
-                <a:cubicBezTo>
-                  <a:pt x="3785784" y="1003717"/>
-                  <a:pt x="3785160" y="1041120"/>
-                  <a:pt x="3781239" y="1085904"/>
-                </a:cubicBezTo>
-                <a:lnTo>
-                  <a:pt x="3776107" y="1132519"/>
-                </a:lnTo>
-                <a:lnTo>
-                  <a:pt x="3778601" y="1162456"/>
-                </a:lnTo>
-                <a:cubicBezTo>
-                  <a:pt x="3791360" y="1256797"/>
-                  <a:pt x="3774958" y="1367020"/>
-                  <a:pt x="3763568" y="1469787"/>
-                </a:cubicBezTo>
-                <a:lnTo>
-                  <a:pt x="3758806" y="1520515"/>
-                </a:lnTo>
-                <a:lnTo>
-                  <a:pt x="3760417" y="1549437"/>
-                </a:lnTo>
-                <a:cubicBezTo>
-                  <a:pt x="3764298" y="1588133"/>
-                  <a:pt x="3770171" y="1628243"/>
-                  <a:pt x="3778601" y="1669683"/>
-                </a:cubicBezTo>
-                <a:cubicBezTo>
-                  <a:pt x="3846039" y="2001203"/>
-                  <a:pt x="3774784" y="2142285"/>
-                  <a:pt x="3778601" y="2364982"/>
-                </a:cubicBezTo>
-                <a:lnTo>
-                  <a:pt x="3776565" y="2406088"/>
-                </a:lnTo>
-                <a:lnTo>
-                  <a:pt x="3778601" y="2427673"/>
-                </a:lnTo>
-                <a:cubicBezTo>
-                  <a:pt x="3821357" y="2695960"/>
-                  <a:pt x="3735684" y="2699438"/>
-                  <a:pt x="3778601" y="2809517"/>
-                </a:cubicBezTo>
-                <a:cubicBezTo>
-                  <a:pt x="3789330" y="2837037"/>
-                  <a:pt x="3791666" y="2872927"/>
-                  <a:pt x="3789892" y="2914654"/>
-                </a:cubicBezTo>
-                <a:lnTo>
-                  <a:pt x="3784971" y="2966248"/>
-                </a:lnTo>
-                <a:lnTo>
-                  <a:pt x="3796722" y="3024078"/>
-                </a:lnTo>
-                <a:cubicBezTo>
-                  <a:pt x="3809238" y="3115139"/>
-                  <a:pt x="3806232" y="3210898"/>
-                  <a:pt x="3799338" y="3302850"/>
-                </a:cubicBezTo>
-                <a:lnTo>
-                  <a:pt x="3787405" y="3438354"/>
-                </a:lnTo>
-                <a:lnTo>
-                  <a:pt x="3790719" y="3460532"/>
-                </a:lnTo>
-                <a:cubicBezTo>
-                  <a:pt x="3797323" y="3541872"/>
-                  <a:pt x="3789007" y="3624193"/>
-                  <a:pt x="3780361" y="3709762"/>
-                </a:cubicBezTo>
-                <a:lnTo>
-                  <a:pt x="3780169" y="3712283"/>
-                </a:lnTo>
-                <a:lnTo>
-                  <a:pt x="3781239" y="3768266"/>
-                </a:lnTo>
-                <a:cubicBezTo>
-                  <a:pt x="3780994" y="3815588"/>
-                  <a:pt x="3779902" y="3863939"/>
-                  <a:pt x="3778794" y="3912511"/>
-                </a:cubicBezTo>
-                <a:lnTo>
-                  <a:pt x="3776324" y="4054010"/>
-                </a:lnTo>
-                <a:lnTo>
-                  <a:pt x="3778601" y="4074733"/>
-                </a:lnTo>
-                <a:cubicBezTo>
-                  <a:pt x="3822365" y="4336760"/>
-                  <a:pt x="3765189" y="4482586"/>
-                  <a:pt x="3778601" y="4644650"/>
-                </a:cubicBezTo>
-                <a:cubicBezTo>
-                  <a:pt x="3781954" y="4685166"/>
-                  <a:pt x="3782850" y="4718916"/>
-                  <a:pt x="3782504" y="4749344"/>
-                </a:cubicBezTo>
-                <a:lnTo>
-                  <a:pt x="3780512" y="4796832"/>
-                </a:lnTo>
-                <a:lnTo>
-                  <a:pt x="3786260" y="4877451"/>
-                </a:lnTo>
-                <a:cubicBezTo>
-                  <a:pt x="3786165" y="4918212"/>
-                  <a:pt x="3784020" y="4964155"/>
-                  <a:pt x="3781623" y="5015963"/>
-                </a:cubicBezTo>
-                <a:lnTo>
-                  <a:pt x="3779076" y="5087925"/>
-                </a:lnTo>
-                <a:lnTo>
-                  <a:pt x="3779599" y="5155456"/>
-                </a:lnTo>
-                <a:lnTo>
-                  <a:pt x="3775907" y="5219073"/>
-                </a:lnTo>
-                <a:lnTo>
-                  <a:pt x="3778601" y="5402640"/>
-                </a:lnTo>
-                <a:cubicBezTo>
-                  <a:pt x="3780494" y="5441637"/>
-                  <a:pt x="3781680" y="5475146"/>
-                  <a:pt x="3782335" y="5504141"/>
-                </a:cubicBezTo>
-                <a:lnTo>
-                  <a:pt x="3782798" y="5566951"/>
-                </a:lnTo>
-                <a:lnTo>
-                  <a:pt x="3786885" y="5599303"/>
-                </a:lnTo>
-                <a:cubicBezTo>
-                  <a:pt x="3799534" y="5776838"/>
-                  <a:pt x="3769350" y="6111156"/>
-                  <a:pt x="3778601" y="6291711"/>
-                </a:cubicBezTo>
-                <a:cubicBezTo>
-                  <a:pt x="3687392" y="6306733"/>
-                  <a:pt x="3632350" y="6304889"/>
-                  <a:pt x="3574752" y="6300212"/>
-                </a:cubicBezTo>
-                <a:lnTo>
-                  <a:pt x="3545837" y="6297718"/>
-                </a:lnTo>
-                <a:lnTo>
-                  <a:pt x="3527963" y="6296834"/>
-                </a:lnTo>
-                <a:cubicBezTo>
-                  <a:pt x="3482151" y="6294419"/>
-                  <a:pt x="3430025" y="6291672"/>
-                  <a:pt x="3355561" y="6291711"/>
-                </a:cubicBezTo>
-                <a:cubicBezTo>
-                  <a:pt x="3304843" y="6293555"/>
-                  <a:pt x="3262749" y="6292377"/>
-                  <a:pt x="3225711" y="6290098"/>
-                </a:cubicBezTo>
-                <a:lnTo>
-                  <a:pt x="3218247" y="6289525"/>
-                </a:lnTo>
-                <a:lnTo>
-                  <a:pt x="3198550" y="6289212"/>
-                </a:lnTo>
-                <a:cubicBezTo>
-                  <a:pt x="3144315" y="6287803"/>
-                  <a:pt x="3088976" y="6286105"/>
-                  <a:pt x="3034921" y="6284968"/>
-                </a:cubicBezTo>
-                <a:lnTo>
-                  <a:pt x="2973802" y="6284626"/>
-                </a:lnTo>
-                <a:lnTo>
-                  <a:pt x="2932520" y="6291711"/>
-                </a:lnTo>
-                <a:cubicBezTo>
-                  <a:pt x="2893699" y="6300111"/>
-                  <a:pt x="2847670" y="6301992"/>
-                  <a:pt x="2797581" y="6300669"/>
-                </a:cubicBezTo>
-                <a:lnTo>
-                  <a:pt x="2672392" y="6292599"/>
-                </a:lnTo>
-                <a:lnTo>
-                  <a:pt x="2629726" y="6293120"/>
-                </a:lnTo>
-                <a:lnTo>
-                  <a:pt x="2540544" y="6284698"/>
-                </a:lnTo>
-                <a:lnTo>
-                  <a:pt x="2473475" y="6280786"/>
-                </a:lnTo>
-                <a:cubicBezTo>
-                  <a:pt x="2419724" y="6279900"/>
-                  <a:pt x="2368202" y="6282437"/>
-                  <a:pt x="2322057" y="6291711"/>
-                </a:cubicBezTo>
-                <a:cubicBezTo>
-                  <a:pt x="2275912" y="6300985"/>
-                  <a:pt x="2236301" y="6305003"/>
-                  <a:pt x="2199195" y="6305968"/>
-                </a:cubicBezTo>
-                <a:lnTo>
-                  <a:pt x="2094190" y="6302012"/>
-                </a:lnTo>
-                <a:lnTo>
-                  <a:pt x="2029724" y="6307766"/>
-                </a:lnTo>
-                <a:cubicBezTo>
-                  <a:pt x="1971866" y="6308389"/>
-                  <a:pt x="1916420" y="6305265"/>
-                  <a:pt x="1864312" y="6301339"/>
-                </a:cubicBezTo>
-                <a:lnTo>
-                  <a:pt x="1761307" y="6293375"/>
-                </a:lnTo>
-                <a:lnTo>
-                  <a:pt x="1745972" y="6293782"/>
-                </a:lnTo>
-                <a:cubicBezTo>
-                  <a:pt x="1699734" y="6294177"/>
-                  <a:pt x="1664143" y="6292827"/>
-                  <a:pt x="1633352" y="6291083"/>
-                </a:cubicBezTo>
-                <a:lnTo>
-                  <a:pt x="1621369" y="6290324"/>
-                </a:lnTo>
-                <a:lnTo>
-                  <a:pt x="1599140" y="6291711"/>
-                </a:lnTo>
-                <a:cubicBezTo>
-                  <a:pt x="1564093" y="6296354"/>
-                  <a:pt x="1527169" y="6296254"/>
-                  <a:pt x="1488567" y="6294097"/>
-                </a:cubicBezTo>
-                <a:lnTo>
-                  <a:pt x="1429716" y="6289243"/>
-                </a:lnTo>
-                <a:lnTo>
-                  <a:pt x="1401008" y="6291711"/>
-                </a:lnTo>
-                <a:cubicBezTo>
-                  <a:pt x="1314301" y="6301163"/>
-                  <a:pt x="1222976" y="6299856"/>
-                  <a:pt x="1127367" y="6296839"/>
-                </a:cubicBezTo>
-                <a:lnTo>
-                  <a:pt x="1062601" y="6295730"/>
-                </a:lnTo>
-                <a:lnTo>
-                  <a:pt x="964991" y="6305909"/>
-                </a:lnTo>
-                <a:cubicBezTo>
-                  <a:pt x="833250" y="6307778"/>
-                  <a:pt x="714190" y="6280255"/>
-                  <a:pt x="603122" y="6291711"/>
-                </a:cubicBezTo>
-                <a:cubicBezTo>
-                  <a:pt x="455032" y="6306986"/>
-                  <a:pt x="261206" y="6260346"/>
-                  <a:pt x="30143" y="6291711"/>
-                </a:cubicBezTo>
-                <a:cubicBezTo>
-                  <a:pt x="-1198" y="6167281"/>
-                  <a:pt x="7291" y="6044138"/>
-                  <a:pt x="19371" y="5934598"/>
-                </a:cubicBezTo>
-                <a:lnTo>
-                  <a:pt x="33559" y="5801663"/>
-                </a:lnTo>
-                <a:lnTo>
-                  <a:pt x="30143" y="5784485"/>
-                </a:lnTo>
-                <a:cubicBezTo>
-                  <a:pt x="7257" y="5691455"/>
-                  <a:pt x="7506" y="5585492"/>
-                  <a:pt x="13352" y="5476692"/>
-                </a:cubicBezTo>
-                <a:lnTo>
-                  <a:pt x="21882" y="5346809"/>
-                </a:lnTo>
-                <a:lnTo>
-                  <a:pt x="22064" y="5339439"/>
-                </a:lnTo>
-                <a:lnTo>
-                  <a:pt x="29601" y="5166357"/>
-                </a:lnTo>
-                <a:lnTo>
-                  <a:pt x="30143" y="5151877"/>
-                </a:lnTo>
-                <a:cubicBezTo>
-                  <a:pt x="30018" y="5125783"/>
-                  <a:pt x="30111" y="5102484"/>
-                  <a:pt x="30346" y="5081409"/>
-                </a:cubicBezTo>
-                <a:lnTo>
-                  <a:pt x="30433" y="5076663"/>
-                </a:lnTo>
-                <a:lnTo>
-                  <a:pt x="30143" y="4963804"/>
-                </a:lnTo>
-                <a:cubicBezTo>
-                  <a:pt x="27040" y="4910138"/>
-                  <a:pt x="27067" y="4856021"/>
-                  <a:pt x="28459" y="4800989"/>
-                </a:cubicBezTo>
-                <a:lnTo>
-                  <a:pt x="30399" y="4750796"/>
-                </a:lnTo>
-                <a:lnTo>
-                  <a:pt x="31514" y="4666872"/>
-                </a:lnTo>
-                <a:lnTo>
-                  <a:pt x="34697" y="4639551"/>
-                </a:lnTo>
-                <a:lnTo>
-                  <a:pt x="34963" y="4632686"/>
-                </a:lnTo>
-                <a:cubicBezTo>
-                  <a:pt x="37318" y="4575362"/>
-                  <a:pt x="39271" y="4516661"/>
-                  <a:pt x="39056" y="4456118"/>
-                </a:cubicBezTo>
-                <a:lnTo>
-                  <a:pt x="36996" y="4412759"/>
-                </a:lnTo>
-                <a:lnTo>
-                  <a:pt x="30143" y="4388188"/>
-                </a:lnTo>
-                <a:cubicBezTo>
-                  <a:pt x="7389" y="4328002"/>
-                  <a:pt x="11492" y="4256950"/>
-                  <a:pt x="19232" y="4188739"/>
-                </a:cubicBezTo>
-                <a:lnTo>
-                  <a:pt x="23985" y="4147809"/>
-                </a:lnTo>
-                <a:lnTo>
-                  <a:pt x="23690" y="4087290"/>
-                </a:lnTo>
-                <a:lnTo>
-                  <a:pt x="29097" y="3984687"/>
-                </a:lnTo>
-                <a:lnTo>
-                  <a:pt x="28035" y="3962690"/>
-                </a:lnTo>
-                <a:cubicBezTo>
-                  <a:pt x="28525" y="3945828"/>
-                  <a:pt x="30052" y="3926691"/>
-                  <a:pt x="32148" y="3905387"/>
-                </a:cubicBezTo>
-                <a:lnTo>
-                  <a:pt x="34754" y="3881032"/>
-                </a:lnTo>
-                <a:lnTo>
-                  <a:pt x="39206" y="3802233"/>
-                </a:lnTo>
-                <a:cubicBezTo>
-                  <a:pt x="39778" y="3763353"/>
-                  <a:pt x="37619" y="3728800"/>
-                  <a:pt x="30143" y="3698588"/>
-                </a:cubicBezTo>
-                <a:cubicBezTo>
-                  <a:pt x="7714" y="3607954"/>
-                  <a:pt x="33117" y="3482508"/>
-                  <a:pt x="36579" y="3365983"/>
-                </a:cubicBezTo>
-                <a:lnTo>
-                  <a:pt x="36510" y="3356621"/>
-                </a:lnTo>
-                <a:lnTo>
-                  <a:pt x="30143" y="3311044"/>
-                </a:lnTo>
-                <a:cubicBezTo>
-                  <a:pt x="14271" y="3224157"/>
-                  <a:pt x="11445" y="3149243"/>
-                  <a:pt x="14856" y="3082749"/>
-                </a:cubicBezTo>
-                <a:lnTo>
-                  <a:pt x="22229" y="3005366"/>
-                </a:lnTo>
-                <a:lnTo>
-                  <a:pt x="27244" y="2895198"/>
-                </a:lnTo>
-                <a:cubicBezTo>
-                  <a:pt x="29143" y="2848776"/>
-                  <a:pt x="30527" y="2799531"/>
-                  <a:pt x="30143" y="2746826"/>
-                </a:cubicBezTo>
-                <a:lnTo>
-                  <a:pt x="36784" y="2638240"/>
-                </a:lnTo>
-                <a:lnTo>
-                  <a:pt x="30143" y="2615745"/>
-                </a:lnTo>
-                <a:cubicBezTo>
-                  <a:pt x="-20952" y="2495890"/>
-                  <a:pt x="17898" y="2340273"/>
-                  <a:pt x="37923" y="2201958"/>
-                </a:cubicBezTo>
-                <a:lnTo>
-                  <a:pt x="42734" y="2158379"/>
-                </a:lnTo>
-                <a:lnTo>
-                  <a:pt x="30143" y="2114218"/>
-                </a:lnTo>
-                <a:cubicBezTo>
-                  <a:pt x="2269" y="2040950"/>
-                  <a:pt x="-2735" y="1972014"/>
-                  <a:pt x="1162" y="1906697"/>
-                </a:cubicBezTo>
-                <a:lnTo>
-                  <a:pt x="6289" y="1854885"/>
-                </a:lnTo>
-                <a:lnTo>
-                  <a:pt x="8053" y="1809168"/>
-                </a:lnTo>
-                <a:cubicBezTo>
-                  <a:pt x="9832" y="1790244"/>
-                  <a:pt x="12470" y="1771472"/>
-                  <a:pt x="15415" y="1752867"/>
-                </a:cubicBezTo>
-                <a:lnTo>
-                  <a:pt x="30925" y="1652561"/>
-                </a:lnTo>
-                <a:lnTo>
-                  <a:pt x="30143" y="1606992"/>
-                </a:lnTo>
-                <a:cubicBezTo>
-                  <a:pt x="28397" y="1588584"/>
-                  <a:pt x="27931" y="1568665"/>
-                  <a:pt x="28348" y="1547550"/>
-                </a:cubicBezTo>
-                <a:lnTo>
-                  <a:pt x="29206" y="1531212"/>
-                </a:lnTo>
-                <a:lnTo>
-                  <a:pt x="23637" y="1487282"/>
-                </a:lnTo>
-                <a:cubicBezTo>
-                  <a:pt x="16479" y="1367166"/>
-                  <a:pt x="59638" y="1246041"/>
-                  <a:pt x="30143" y="1156757"/>
-                </a:cubicBezTo>
-                <a:cubicBezTo>
-                  <a:pt x="21716" y="1131248"/>
-                  <a:pt x="18318" y="1090735"/>
-                  <a:pt x="17757" y="1041370"/>
-                </a:cubicBezTo>
-                <a:lnTo>
-                  <a:pt x="18463" y="985697"/>
-                </a:lnTo>
-                <a:lnTo>
-                  <a:pt x="16239" y="975915"/>
-                </a:lnTo>
-                <a:cubicBezTo>
-                  <a:pt x="13541" y="957312"/>
-                  <a:pt x="12597" y="940330"/>
-                  <a:pt x="12862" y="924477"/>
-                </a:cubicBezTo>
-                <a:lnTo>
-                  <a:pt x="23640" y="845857"/>
-                </a:lnTo>
-                <a:lnTo>
-                  <a:pt x="30907" y="688163"/>
-                </a:lnTo>
-                <a:lnTo>
-                  <a:pt x="31375" y="662715"/>
-                </a:lnTo>
-                <a:lnTo>
-                  <a:pt x="30143" y="655230"/>
-                </a:lnTo>
-                <a:cubicBezTo>
-                  <a:pt x="20345" y="615334"/>
-                  <a:pt x="17924" y="569960"/>
-                  <a:pt x="19185" y="520814"/>
-                </a:cubicBezTo>
-                <a:lnTo>
-                  <a:pt x="26662" y="415314"/>
-                </a:lnTo>
-                <a:lnTo>
-                  <a:pt x="25635" y="383217"/>
-                </a:lnTo>
-                <a:cubicBezTo>
-                  <a:pt x="25461" y="243905"/>
-                  <a:pt x="35455" y="113017"/>
-                  <a:pt x="30143" y="22622"/>
-                </a:cubicBezTo>
-                <a:cubicBezTo>
-                  <a:pt x="90096" y="13526"/>
-                  <a:pt x="146841" y="12585"/>
-                  <a:pt x="200495" y="15390"/>
-                </a:cubicBezTo>
-                <a:lnTo>
-                  <a:pt x="324102" y="27794"/>
-                </a:lnTo>
-                <a:lnTo>
-                  <a:pt x="329634" y="27979"/>
-                </a:lnTo>
-                <a:cubicBezTo>
-                  <a:pt x="398332" y="30204"/>
-                  <a:pt x="468106" y="31425"/>
-                  <a:pt x="551798" y="27886"/>
-                </a:cubicBezTo>
-                <a:lnTo>
-                  <a:pt x="592464" y="25476"/>
-                </a:lnTo>
-                <a:lnTo>
-                  <a:pt x="603122" y="22622"/>
-                </a:lnTo>
-                <a:cubicBezTo>
-                  <a:pt x="639294" y="8191"/>
-                  <a:pt x="679641" y="1916"/>
-                  <a:pt x="723201" y="386"/>
-                </a:cubicBezTo>
-                <a:close/>
-              </a:path>
-            </a:pathLst>
-          </a:custGeom>
         </p:spPr>
-      </p:pic>
+        <p:txBody>
+          <a:bodyPr>
+            <a:normAutofit/>
+          </a:bodyPr>
+          <a:lstStyle/>
+          <a:p>
+            <a:r>
+              <a:rPr lang="en-US" sz="4000" b="1" u="sng"/>
+              <a:t>Team Contributions</a:t>
+            </a:r>
+          </a:p>
+        </p:txBody>
+      </p:sp>
       <p:sp>
         <p:nvSpPr>
           <p:cNvPr id="3" name="Content Placeholder 2">
@@ -13899,12 +12845,12 @@
         </p:nvSpPr>
         <p:spPr>
           <a:xfrm>
-            <a:off x="4905955" y="2071316"/>
-            <a:ext cx="6713552" cy="4114800"/>
+            <a:off x="7359268" y="2093205"/>
+            <a:ext cx="3994532" cy="4083758"/>
           </a:xfrm>
         </p:spPr>
         <p:txBody>
-          <a:bodyPr anchor="t">
+          <a:bodyPr>
             <a:normAutofit/>
           </a:bodyPr>
           <a:lstStyle/>
@@ -13913,7 +12859,7 @@
               <a:buNone/>
             </a:pPr>
             <a:r>
-              <a:rPr lang="en-US" sz="2000"/>
+              <a:rPr lang="en-US" sz="1300" dirty="0"/>
               <a:t>Each team member was assigned entities and the respective packages.</a:t>
             </a:r>
           </a:p>
@@ -13922,7 +12868,7 @@
               <a:buNone/>
             </a:pPr>
             <a:r>
-              <a:rPr lang="en-US" sz="2000"/>
+              <a:rPr lang="en-US" sz="1300" dirty="0"/>
               <a:t>Abhishek Shankar – Passengers , Orders, Permissions and roles along with respective packages (Insert Update and Delete)</a:t>
             </a:r>
           </a:p>
@@ -13931,8 +12877,8 @@
               <a:buNone/>
             </a:pPr>
             <a:r>
-              <a:rPr lang="en-US" sz="2000"/>
-              <a:t>Anvi Jain – Airline along with respective packages (Insert Update and Delete) and Validation checks</a:t>
+              <a:rPr lang="en-US" sz="1300" dirty="0"/>
+              <a:t>Anvi Jain – Airline along with respective packages (Insert Update and Delete) and Validation checks, Views</a:t>
             </a:r>
           </a:p>
           <a:p>
@@ -13940,8 +12886,20 @@
               <a:buNone/>
             </a:pPr>
             <a:r>
-              <a:rPr lang="en-US" sz="2000"/>
-              <a:t>Sushmitha Prathap – Tickets, Baggage, Flight and Staff along with respective packages and exception Handling</a:t>
+              <a:rPr lang="en-US" sz="1300" dirty="0" err="1"/>
+              <a:t>Sushmitha</a:t>
+            </a:r>
+            <a:r>
+              <a:rPr lang="en-US" sz="1300" dirty="0"/>
+              <a:t> </a:t>
+            </a:r>
+            <a:r>
+              <a:rPr lang="en-US" sz="1300" dirty="0" err="1"/>
+              <a:t>Prathap</a:t>
+            </a:r>
+            <a:r>
+              <a:rPr lang="en-US" sz="1300" dirty="0"/>
+              <a:t> – Tickets, Baggage, Flight and Staff along with respective packages and exception Handling</a:t>
             </a:r>
           </a:p>
           <a:p>
@@ -13949,8 +12907,16 @@
               <a:buNone/>
             </a:pPr>
             <a:r>
-              <a:rPr lang="en-US" sz="2000"/>
-              <a:t>Harshitha Ranganath – Terminal, Airline Staff along with respective packages and reports/view creation</a:t>
+              <a:rPr lang="en-US" sz="1300" dirty="0"/>
+              <a:t>Harshitha </a:t>
+            </a:r>
+            <a:r>
+              <a:rPr lang="en-US" sz="1300" dirty="0" err="1"/>
+              <a:t>Ranganath</a:t>
+            </a:r>
+            <a:r>
+              <a:rPr lang="en-US" sz="1300" dirty="0"/>
+              <a:t> – Terminal, Airline Staff along with respective packages and reports/view creation, Views</a:t>
             </a:r>
           </a:p>
           <a:p>
@@ -13958,8 +12924,28 @@
               <a:buNone/>
             </a:pPr>
             <a:r>
-              <a:rPr lang="en-US" sz="2000"/>
-              <a:t>Manikanta Reddy Thikkavarapu – Airport along with resepective packages and overall script testibg</a:t>
+              <a:rPr lang="en-US" sz="1300" dirty="0" err="1"/>
+              <a:t>Manikanta</a:t>
+            </a:r>
+            <a:r>
+              <a:rPr lang="en-US" sz="1300" dirty="0"/>
+              <a:t> Reddy </a:t>
+            </a:r>
+            <a:r>
+              <a:rPr lang="en-US" sz="1300" dirty="0" err="1"/>
+              <a:t>Thikkavarapu</a:t>
+            </a:r>
+            <a:r>
+              <a:rPr lang="en-US" sz="1300" dirty="0"/>
+              <a:t> – Airport along with </a:t>
+            </a:r>
+            <a:r>
+              <a:rPr lang="en-US" sz="1300" dirty="0" err="1"/>
+              <a:t>resepective</a:t>
+            </a:r>
+            <a:r>
+              <a:rPr lang="en-US" sz="1300" dirty="0"/>
+              <a:t> packages and overall script testing, Views</a:t>
             </a:r>
           </a:p>
         </p:txBody>
@@ -16544,6 +15530,184 @@
           <a:chExt cx="0" cy="0"/>
         </a:xfrm>
       </p:grpSpPr>
+      <p:pic>
+        <p:nvPicPr>
+          <p:cNvPr id="5" name="Content Placeholder 4" descr="Table&#10;&#10;Description automatically generated">
+            <a:extLst>
+              <a:ext uri="{FF2B5EF4-FFF2-40B4-BE49-F238E27FC236}">
+                <a16:creationId xmlns:a16="http://schemas.microsoft.com/office/drawing/2014/main" id="{6DF8308A-CF5D-5CFD-815E-569A1945888E}"/>
+              </a:ext>
+            </a:extLst>
+          </p:cNvPr>
+          <p:cNvPicPr>
+            <a:picLocks noGrp="1" noChangeAspect="1"/>
+          </p:cNvPicPr>
+          <p:nvPr>
+            <p:ph idx="1"/>
+          </p:nvPr>
+        </p:nvPicPr>
+        <p:blipFill rotWithShape="1">
+          <a:blip r:embed="rId2">
+            <a:extLst>
+              <a:ext uri="{28A0092B-C50C-407E-A947-70E740481C1C}">
+                <a14:useLocalDpi xmlns:a14="http://schemas.microsoft.com/office/drawing/2010/main" val="0"/>
+              </a:ext>
+            </a:extLst>
+          </a:blip>
+          <a:srcRect r="2674" b="-1"/>
+          <a:stretch/>
+        </p:blipFill>
+        <p:spPr>
+          <a:xfrm>
+            <a:off x="640080" y="640080"/>
+            <a:ext cx="10911840" cy="5577840"/>
+          </a:xfrm>
+          <a:prstGeom prst="rect">
+            <a:avLst/>
+          </a:prstGeom>
+        </p:spPr>
+      </p:pic>
+      <p:sp useBgFill="1">
+        <p:nvSpPr>
+          <p:cNvPr id="17" name="Rectangle 14">
+            <a:extLst>
+              <a:ext uri="{FF2B5EF4-FFF2-40B4-BE49-F238E27FC236}">
+                <a16:creationId xmlns:a16="http://schemas.microsoft.com/office/drawing/2014/main" id="{BE13943F-CFF4-4097-BBA8-20BDDF6E4A08}"/>
+              </a:ext>
+              <a:ext uri="{C183D7F6-B498-43B3-948B-1728B52AA6E4}">
+                <adec:decorative xmlns:adec="http://schemas.microsoft.com/office/drawing/2017/decorative" val="1"/>
+              </a:ext>
+            </a:extLst>
+          </p:cNvPr>
+          <p:cNvSpPr>
+            <a:spLocks noGrp="1" noRot="1" noChangeAspect="1" noMove="1" noResize="1" noEditPoints="1" noAdjustHandles="1" noChangeArrowheads="1" noChangeShapeType="1" noTextEdit="1"/>
+          </p:cNvSpPr>
+          <p:nvPr>
+            <p:extLst>
+              <p:ext uri="{386F3935-93C4-4BCD-93E2-E3B085C9AB24}">
+                <p16:designElem xmlns:p16="http://schemas.microsoft.com/office/powerpoint/2015/main" val="1"/>
+              </p:ext>
+            </p:extLst>
+          </p:nvPr>
+        </p:nvSpPr>
+        <p:spPr>
+          <a:xfrm>
+            <a:off x="640080" y="3108484"/>
+            <a:ext cx="10911840" cy="640080"/>
+          </a:xfrm>
+          <a:prstGeom prst="rect">
+            <a:avLst/>
+          </a:prstGeom>
+          <a:ln>
+            <a:noFill/>
+          </a:ln>
+        </p:spPr>
+        <p:style>
+          <a:lnRef idx="2">
+            <a:schemeClr val="accent1">
+              <a:shade val="50000"/>
+            </a:schemeClr>
+          </a:lnRef>
+          <a:fillRef idx="1">
+            <a:schemeClr val="accent1"/>
+          </a:fillRef>
+          <a:effectRef idx="0">
+            <a:schemeClr val="accent1"/>
+          </a:effectRef>
+          <a:fontRef idx="minor">
+            <a:schemeClr val="lt1"/>
+          </a:fontRef>
+        </p:style>
+        <p:txBody>
+          <a:bodyPr rtlCol="0" anchor="ctr"/>
+          <a:lstStyle/>
+          <a:p>
+            <a:pPr algn="ctr"/>
+            <a:endParaRPr lang="en-US"/>
+          </a:p>
+        </p:txBody>
+      </p:sp>
+      <p:sp>
+        <p:nvSpPr>
+          <p:cNvPr id="2" name="Title 1">
+            <a:extLst>
+              <a:ext uri="{FF2B5EF4-FFF2-40B4-BE49-F238E27FC236}">
+                <a16:creationId xmlns:a16="http://schemas.microsoft.com/office/drawing/2014/main" id="{83212C87-513B-03C8-5BE9-7D72924F768F}"/>
+              </a:ext>
+            </a:extLst>
+          </p:cNvPr>
+          <p:cNvSpPr>
+            <a:spLocks noGrp="1"/>
+          </p:cNvSpPr>
+          <p:nvPr>
+            <p:ph type="title"/>
+          </p:nvPr>
+        </p:nvSpPr>
+        <p:spPr>
+          <a:xfrm>
+            <a:off x="640080" y="3108483"/>
+            <a:ext cx="10911840" cy="640081"/>
+          </a:xfrm>
+        </p:spPr>
+        <p:txBody>
+          <a:bodyPr vert="horz" lIns="91440" tIns="45720" rIns="91440" bIns="45720" rtlCol="0" anchor="ctr">
+            <a:normAutofit/>
+          </a:bodyPr>
+          <a:lstStyle/>
+          <a:p>
+            <a:pPr algn="ctr"/>
+            <a:r>
+              <a:rPr lang="en-US" sz="3200">
+                <a:solidFill>
+                  <a:schemeClr val="tx1">
+                    <a:lumMod val="85000"/>
+                    <a:lumOff val="15000"/>
+                  </a:schemeClr>
+                </a:solidFill>
+              </a:rPr>
+              <a:t>Sample Views</a:t>
+            </a:r>
+          </a:p>
+        </p:txBody>
+      </p:sp>
+    </p:spTree>
+    <p:extLst>
+      <p:ext uri="{BB962C8B-B14F-4D97-AF65-F5344CB8AC3E}">
+        <p14:creationId xmlns:p14="http://schemas.microsoft.com/office/powerpoint/2010/main" val="1582199866"/>
+      </p:ext>
+    </p:extLst>
+  </p:cSld>
+  <p:clrMapOvr>
+    <a:masterClrMapping/>
+  </p:clrMapOvr>
+</p:sld>
+</file>
+
+<file path=ppt/slides/slide9.xml><?xml version="1.0" encoding="utf-8"?>
+<p:sld xmlns:a="http://schemas.openxmlformats.org/drawingml/2006/main" xmlns:r="http://schemas.openxmlformats.org/officeDocument/2006/relationships" xmlns:p="http://schemas.openxmlformats.org/presentationml/2006/main">
+  <p:cSld>
+    <p:bg>
+      <p:bgPr>
+        <a:solidFill>
+          <a:schemeClr val="bg1"/>
+        </a:solidFill>
+        <a:effectLst/>
+      </p:bgPr>
+    </p:bg>
+    <p:spTree>
+      <p:nvGrpSpPr>
+        <p:cNvPr id="1" name=""/>
+        <p:cNvGrpSpPr/>
+        <p:nvPr/>
+      </p:nvGrpSpPr>
+      <p:grpSpPr>
+        <a:xfrm>
+          <a:off x="0" y="0"/>
+          <a:ext cx="0" cy="0"/>
+          <a:chOff x="0" y="0"/>
+          <a:chExt cx="0" cy="0"/>
+        </a:xfrm>
+      </p:grpSpPr>
       <p:sp useBgFill="1">
         <p:nvSpPr>
           <p:cNvPr id="15" name="Rectangle 14">
@@ -17106,178 +16270,6 @@
   </p:cSld>
   <p:clrMapOvr>
     <a:masterClrMapping/>
-  </p:clrMapOvr>
-</p:sld>
-</file>
-
-<file path=ppt/slides/slide9.xml><?xml version="1.0" encoding="utf-8"?>
-<p:sld xmlns:a="http://schemas.openxmlformats.org/drawingml/2006/main" xmlns:r="http://schemas.openxmlformats.org/officeDocument/2006/relationships" xmlns:p="http://schemas.openxmlformats.org/presentationml/2006/main">
-  <p:cSld>
-    <p:bg>
-      <p:bgPr>
-        <a:solidFill>
-          <a:srgbClr val="000000"/>
-        </a:solidFill>
-        <a:effectLst/>
-      </p:bgPr>
-    </p:bg>
-    <p:spTree>
-      <p:nvGrpSpPr>
-        <p:cNvPr id="1" name=""/>
-        <p:cNvGrpSpPr/>
-        <p:nvPr/>
-      </p:nvGrpSpPr>
-      <p:grpSpPr>
-        <a:xfrm>
-          <a:off x="0" y="0"/>
-          <a:ext cx="0" cy="0"/>
-          <a:chOff x="0" y="0"/>
-          <a:chExt cx="0" cy="0"/>
-        </a:xfrm>
-      </p:grpSpPr>
-      <p:sp>
-        <p:nvSpPr>
-          <p:cNvPr id="12" name="Rectangle 11">
-            <a:extLst>
-              <a:ext uri="{FF2B5EF4-FFF2-40B4-BE49-F238E27FC236}">
-                <a16:creationId xmlns:a16="http://schemas.microsoft.com/office/drawing/2014/main" id="{71B2258F-86CA-4D4D-8270-BC05FCDEBFB3}"/>
-              </a:ext>
-              <a:ext uri="{C183D7F6-B498-43B3-948B-1728B52AA6E4}">
-                <adec:decorative xmlns:adec="http://schemas.microsoft.com/office/drawing/2017/decorative" val="1"/>
-              </a:ext>
-            </a:extLst>
-          </p:cNvPr>
-          <p:cNvSpPr>
-            <a:spLocks noGrp="1" noRot="1" noChangeAspect="1" noMove="1" noResize="1" noEditPoints="1" noAdjustHandles="1" noChangeArrowheads="1" noChangeShapeType="1" noTextEdit="1"/>
-          </p:cNvSpPr>
-          <p:nvPr>
-            <p:extLst>
-              <p:ext uri="{386F3935-93C4-4BCD-93E2-E3B085C9AB24}">
-                <p16:designElem xmlns:p16="http://schemas.microsoft.com/office/powerpoint/2015/main" val="1"/>
-              </p:ext>
-            </p:extLst>
-          </p:nvPr>
-        </p:nvSpPr>
-        <p:spPr>
-          <a:xfrm>
-            <a:off x="0" y="0"/>
-            <a:ext cx="12192000" cy="6857999"/>
-          </a:xfrm>
-          <a:prstGeom prst="rect">
-            <a:avLst/>
-          </a:prstGeom>
-          <a:solidFill>
-            <a:srgbClr val="000000"/>
-          </a:solidFill>
-          <a:ln>
-            <a:noFill/>
-          </a:ln>
-        </p:spPr>
-        <p:style>
-          <a:lnRef idx="2">
-            <a:schemeClr val="accent1">
-              <a:shade val="50000"/>
-            </a:schemeClr>
-          </a:lnRef>
-          <a:fillRef idx="1">
-            <a:schemeClr val="accent1"/>
-          </a:fillRef>
-          <a:effectRef idx="0">
-            <a:schemeClr val="accent1"/>
-          </a:effectRef>
-          <a:fontRef idx="minor">
-            <a:schemeClr val="lt1"/>
-          </a:fontRef>
-        </p:style>
-        <p:txBody>
-          <a:bodyPr rtlCol="0" anchor="ctr"/>
-          <a:lstStyle/>
-          <a:p>
-            <a:pPr algn="ctr"/>
-            <a:endParaRPr lang="en-US"/>
-          </a:p>
-        </p:txBody>
-      </p:sp>
-      <p:pic>
-        <p:nvPicPr>
-          <p:cNvPr id="8" name="Picture 7">
-            <a:extLst>
-              <a:ext uri="{FF2B5EF4-FFF2-40B4-BE49-F238E27FC236}">
-                <a16:creationId xmlns:a16="http://schemas.microsoft.com/office/drawing/2014/main" id="{072398BA-C14E-B76F-7EB7-A0A25C2DE097}"/>
-              </a:ext>
-            </a:extLst>
-          </p:cNvPr>
-          <p:cNvPicPr>
-            <a:picLocks noChangeAspect="1"/>
-          </p:cNvPicPr>
-          <p:nvPr/>
-        </p:nvPicPr>
-        <p:blipFill rotWithShape="1">
-          <a:blip r:embed="rId2">
-            <a:alphaModFix amt="50000"/>
-          </a:blip>
-          <a:srcRect t="5858"/>
-          <a:stretch/>
-        </p:blipFill>
-        <p:spPr>
-          <a:xfrm>
-            <a:off x="20" y="1"/>
-            <a:ext cx="12191980" cy="6857999"/>
-          </a:xfrm>
-          <a:prstGeom prst="rect">
-            <a:avLst/>
-          </a:prstGeom>
-        </p:spPr>
-      </p:pic>
-      <p:sp>
-        <p:nvSpPr>
-          <p:cNvPr id="6" name="Title 5">
-            <a:extLst>
-              <a:ext uri="{FF2B5EF4-FFF2-40B4-BE49-F238E27FC236}">
-                <a16:creationId xmlns:a16="http://schemas.microsoft.com/office/drawing/2014/main" id="{5388E924-A1DE-117A-1B30-28DC3CEDF722}"/>
-              </a:ext>
-            </a:extLst>
-          </p:cNvPr>
-          <p:cNvSpPr>
-            <a:spLocks noGrp="1"/>
-          </p:cNvSpPr>
-          <p:nvPr>
-            <p:ph type="title"/>
-          </p:nvPr>
-        </p:nvSpPr>
-        <p:spPr>
-          <a:xfrm>
-            <a:off x="1524000" y="1122362"/>
-            <a:ext cx="9144000" cy="2900518"/>
-          </a:xfrm>
-        </p:spPr>
-        <p:txBody>
-          <a:bodyPr vert="horz" lIns="91440" tIns="45720" rIns="91440" bIns="45720" rtlCol="0" anchor="b">
-            <a:normAutofit/>
-          </a:bodyPr>
-          <a:lstStyle/>
-          <a:p>
-            <a:pPr algn="ctr"/>
-            <a:r>
-              <a:rPr lang="en-US" sz="8000" dirty="0">
-                <a:solidFill>
-                  <a:srgbClr val="FFFFFF"/>
-                </a:solidFill>
-              </a:rPr>
-              <a:t>THANK YOU </a:t>
-            </a:r>
-          </a:p>
-        </p:txBody>
-      </p:sp>
-    </p:spTree>
-    <p:extLst>
-      <p:ext uri="{BB962C8B-B14F-4D97-AF65-F5344CB8AC3E}">
-        <p14:creationId xmlns:p14="http://schemas.microsoft.com/office/powerpoint/2010/main" val="3778610382"/>
-      </p:ext>
-    </p:extLst>
-  </p:cSld>
-  <p:clrMapOvr>
-    <a:overrideClrMapping bg1="dk1" tx1="lt1" bg2="dk2" tx2="lt2" accent1="accent1" accent2="accent2" accent3="accent3" accent4="accent4" accent5="accent5" accent6="accent6" hlink="hlink" folHlink="folHlink"/>
   </p:clrMapOvr>
 </p:sld>
 </file>
